--- a/Slides/4_Vue Router.pptx
+++ b/Slides/4_Vue Router.pptx
@@ -5,7 +5,7 @@
     <p:sldMasterId id="2147483648" r:id="rId1"/>
   </p:sldMasterIdLst>
   <p:notesMasterIdLst>
-    <p:notesMasterId r:id="rId11"/>
+    <p:notesMasterId r:id="rId13"/>
   </p:notesMasterIdLst>
   <p:sldIdLst>
     <p:sldId id="256" r:id="rId2"/>
@@ -14,9 +14,11 @@
     <p:sldId id="257" r:id="rId5"/>
     <p:sldId id="296" r:id="rId6"/>
     <p:sldId id="297" r:id="rId7"/>
-    <p:sldId id="298" r:id="rId8"/>
-    <p:sldId id="299" r:id="rId9"/>
-    <p:sldId id="300" r:id="rId10"/>
+    <p:sldId id="323" r:id="rId8"/>
+    <p:sldId id="324" r:id="rId9"/>
+    <p:sldId id="298" r:id="rId10"/>
+    <p:sldId id="299" r:id="rId11"/>
+    <p:sldId id="322" r:id="rId12"/>
   </p:sldIdLst>
   <p:sldSz cx="12192000" cy="6858000"/>
   <p:notesSz cx="6858000" cy="9144000"/>
@@ -205,7 +207,7 @@
           <a:p>
             <a:fld id="{FE0698A4-8696-4B25-BC16-7D62971AF3FD}" type="datetimeFigureOut">
               <a:rPr lang="en-US" smtClean="0"/>
-              <a:t>8/3/2021</a:t>
+              <a:t>8/10/2021</a:t>
             </a:fld>
             <a:endParaRPr lang="en-US"/>
           </a:p>
@@ -787,7 +789,7 @@
           <a:p>
             <a:fld id="{52B491D6-D58D-44B5-AD9D-0243D7ABB41E}" type="datetimeFigureOut">
               <a:rPr lang="en-US" smtClean="0"/>
-              <a:t>8/3/2021</a:t>
+              <a:t>8/10/2021</a:t>
             </a:fld>
             <a:endParaRPr lang="en-US"/>
           </a:p>
@@ -985,7 +987,7 @@
           <a:p>
             <a:fld id="{52B491D6-D58D-44B5-AD9D-0243D7ABB41E}" type="datetimeFigureOut">
               <a:rPr lang="en-US" smtClean="0"/>
-              <a:t>8/3/2021</a:t>
+              <a:t>8/10/2021</a:t>
             </a:fld>
             <a:endParaRPr lang="en-US"/>
           </a:p>
@@ -1193,7 +1195,7 @@
           <a:p>
             <a:fld id="{52B491D6-D58D-44B5-AD9D-0243D7ABB41E}" type="datetimeFigureOut">
               <a:rPr lang="en-US" smtClean="0"/>
-              <a:t>8/3/2021</a:t>
+              <a:t>8/10/2021</a:t>
             </a:fld>
             <a:endParaRPr lang="en-US"/>
           </a:p>
@@ -1516,7 +1518,7 @@
           <a:p>
             <a:fld id="{52B491D6-D58D-44B5-AD9D-0243D7ABB41E}" type="datetimeFigureOut">
               <a:rPr lang="en-US" smtClean="0"/>
-              <a:t>8/3/2021</a:t>
+              <a:t>8/10/2021</a:t>
             </a:fld>
             <a:endParaRPr lang="en-US"/>
           </a:p>
@@ -1791,7 +1793,7 @@
           <a:p>
             <a:fld id="{52B491D6-D58D-44B5-AD9D-0243D7ABB41E}" type="datetimeFigureOut">
               <a:rPr lang="en-US" smtClean="0"/>
-              <a:t>8/3/2021</a:t>
+              <a:t>8/10/2021</a:t>
             </a:fld>
             <a:endParaRPr lang="en-US"/>
           </a:p>
@@ -2056,7 +2058,7 @@
           <a:p>
             <a:fld id="{52B491D6-D58D-44B5-AD9D-0243D7ABB41E}" type="datetimeFigureOut">
               <a:rPr lang="en-US" smtClean="0"/>
-              <a:t>8/3/2021</a:t>
+              <a:t>8/10/2021</a:t>
             </a:fld>
             <a:endParaRPr lang="en-US"/>
           </a:p>
@@ -2468,7 +2470,7 @@
           <a:p>
             <a:fld id="{52B491D6-D58D-44B5-AD9D-0243D7ABB41E}" type="datetimeFigureOut">
               <a:rPr lang="en-US" smtClean="0"/>
-              <a:t>8/3/2021</a:t>
+              <a:t>8/10/2021</a:t>
             </a:fld>
             <a:endParaRPr lang="en-US"/>
           </a:p>
@@ -2609,7 +2611,7 @@
           <a:p>
             <a:fld id="{52B491D6-D58D-44B5-AD9D-0243D7ABB41E}" type="datetimeFigureOut">
               <a:rPr lang="en-US" smtClean="0"/>
-              <a:t>8/3/2021</a:t>
+              <a:t>8/10/2021</a:t>
             </a:fld>
             <a:endParaRPr lang="en-US"/>
           </a:p>
@@ -2722,7 +2724,7 @@
           <a:p>
             <a:fld id="{52B491D6-D58D-44B5-AD9D-0243D7ABB41E}" type="datetimeFigureOut">
               <a:rPr lang="en-US" smtClean="0"/>
-              <a:t>8/3/2021</a:t>
+              <a:t>8/10/2021</a:t>
             </a:fld>
             <a:endParaRPr lang="en-US"/>
           </a:p>
@@ -3033,7 +3035,7 @@
           <a:p>
             <a:fld id="{52B491D6-D58D-44B5-AD9D-0243D7ABB41E}" type="datetimeFigureOut">
               <a:rPr lang="en-US" smtClean="0"/>
-              <a:t>8/3/2021</a:t>
+              <a:t>8/10/2021</a:t>
             </a:fld>
             <a:endParaRPr lang="en-US"/>
           </a:p>
@@ -3321,7 +3323,7 @@
           <a:p>
             <a:fld id="{52B491D6-D58D-44B5-AD9D-0243D7ABB41E}" type="datetimeFigureOut">
               <a:rPr lang="en-US" smtClean="0"/>
-              <a:t>8/3/2021</a:t>
+              <a:t>8/10/2021</a:t>
             </a:fld>
             <a:endParaRPr lang="en-US"/>
           </a:p>
@@ -3562,7 +3564,7 @@
           <a:p>
             <a:fld id="{52B491D6-D58D-44B5-AD9D-0243D7ABB41E}" type="datetimeFigureOut">
               <a:rPr lang="en-US" smtClean="0"/>
-              <a:t>8/3/2021</a:t>
+              <a:t>8/10/2021</a:t>
             </a:fld>
             <a:endParaRPr lang="en-US"/>
           </a:p>
@@ -4046,6 +4048,228 @@
 </p:sld>
 </file>
 
+<file path=ppt/slides/slide10.xml><?xml version="1.0" encoding="utf-8"?>
+<p:sld xmlns:a="http://schemas.openxmlformats.org/drawingml/2006/main" xmlns:r="http://schemas.openxmlformats.org/officeDocument/2006/relationships" xmlns:p="http://schemas.openxmlformats.org/presentationml/2006/main">
+  <p:cSld>
+    <p:spTree>
+      <p:nvGrpSpPr>
+        <p:cNvPr id="1" name=""/>
+        <p:cNvGrpSpPr/>
+        <p:nvPr/>
+      </p:nvGrpSpPr>
+      <p:grpSpPr>
+        <a:xfrm>
+          <a:off x="0" y="0"/>
+          <a:ext cx="0" cy="0"/>
+          <a:chOff x="0" y="0"/>
+          <a:chExt cx="0" cy="0"/>
+        </a:xfrm>
+      </p:grpSpPr>
+      <p:sp>
+        <p:nvSpPr>
+          <p:cNvPr id="2" name="Title 1">
+            <a:extLst>
+              <a:ext uri="{FF2B5EF4-FFF2-40B4-BE49-F238E27FC236}">
+                <a16:creationId xmlns:a16="http://schemas.microsoft.com/office/drawing/2014/main" id="{54B8613F-4E76-4444-B02E-A911ACEAEBEC}"/>
+              </a:ext>
+            </a:extLst>
+          </p:cNvPr>
+          <p:cNvSpPr>
+            <a:spLocks noGrp="1"/>
+          </p:cNvSpPr>
+          <p:nvPr>
+            <p:ph type="title"/>
+          </p:nvPr>
+        </p:nvSpPr>
+        <p:spPr/>
+        <p:txBody>
+          <a:bodyPr/>
+          <a:lstStyle/>
+          <a:p>
+            <a:r>
+              <a:rPr lang="en-US" dirty="0"/>
+              <a:t>Eager Loading vs Lazy Loading</a:t>
+            </a:r>
+          </a:p>
+        </p:txBody>
+      </p:sp>
+      <p:pic>
+        <p:nvPicPr>
+          <p:cNvPr id="9" name="Content Placeholder 8">
+            <a:extLst>
+              <a:ext uri="{FF2B5EF4-FFF2-40B4-BE49-F238E27FC236}">
+                <a16:creationId xmlns:a16="http://schemas.microsoft.com/office/drawing/2014/main" id="{8C7DCE86-8B5F-4900-B74F-45A16AF3D8A0}"/>
+              </a:ext>
+            </a:extLst>
+          </p:cNvPr>
+          <p:cNvPicPr>
+            <a:picLocks noGrp="1" noChangeAspect="1"/>
+          </p:cNvPicPr>
+          <p:nvPr>
+            <p:ph idx="1"/>
+          </p:nvPr>
+        </p:nvPicPr>
+        <p:blipFill>
+          <a:blip r:embed="rId2"/>
+          <a:stretch>
+            <a:fillRect/>
+          </a:stretch>
+        </p:blipFill>
+        <p:spPr>
+          <a:xfrm>
+            <a:off x="838200" y="1690688"/>
+            <a:ext cx="10515600" cy="3452410"/>
+          </a:xfrm>
+        </p:spPr>
+      </p:pic>
+    </p:spTree>
+    <p:extLst>
+      <p:ext uri="{BB962C8B-B14F-4D97-AF65-F5344CB8AC3E}">
+        <p14:creationId xmlns:p14="http://schemas.microsoft.com/office/powerpoint/2010/main" val="1170764363"/>
+      </p:ext>
+    </p:extLst>
+  </p:cSld>
+  <p:clrMapOvr>
+    <a:masterClrMapping/>
+  </p:clrMapOvr>
+</p:sld>
+</file>
+
+<file path=ppt/slides/slide11.xml><?xml version="1.0" encoding="utf-8"?>
+<p:sld xmlns:a="http://schemas.openxmlformats.org/drawingml/2006/main" xmlns:r="http://schemas.openxmlformats.org/officeDocument/2006/relationships" xmlns:p="http://schemas.openxmlformats.org/presentationml/2006/main">
+  <p:cSld>
+    <p:spTree>
+      <p:nvGrpSpPr>
+        <p:cNvPr id="1" name=""/>
+        <p:cNvGrpSpPr/>
+        <p:nvPr/>
+      </p:nvGrpSpPr>
+      <p:grpSpPr>
+        <a:xfrm>
+          <a:off x="0" y="0"/>
+          <a:ext cx="0" cy="0"/>
+          <a:chOff x="0" y="0"/>
+          <a:chExt cx="0" cy="0"/>
+        </a:xfrm>
+      </p:grpSpPr>
+      <p:sp>
+        <p:nvSpPr>
+          <p:cNvPr id="2" name="Title 1">
+            <a:extLst>
+              <a:ext uri="{FF2B5EF4-FFF2-40B4-BE49-F238E27FC236}">
+                <a16:creationId xmlns:a16="http://schemas.microsoft.com/office/drawing/2014/main" id="{396E8D6E-C0AB-44A7-A98D-844F72EBFD2A}"/>
+              </a:ext>
+            </a:extLst>
+          </p:cNvPr>
+          <p:cNvSpPr>
+            <a:spLocks noGrp="1"/>
+          </p:cNvSpPr>
+          <p:nvPr>
+            <p:ph type="title"/>
+          </p:nvPr>
+        </p:nvSpPr>
+        <p:spPr/>
+        <p:txBody>
+          <a:bodyPr/>
+          <a:lstStyle/>
+          <a:p>
+            <a:r>
+              <a:rPr lang="en-US" dirty="0"/>
+              <a:t>Hands On Lab: Vue Router</a:t>
+            </a:r>
+          </a:p>
+        </p:txBody>
+      </p:sp>
+      <p:sp>
+        <p:nvSpPr>
+          <p:cNvPr id="4" name="Content Placeholder 3">
+            <a:extLst>
+              <a:ext uri="{FF2B5EF4-FFF2-40B4-BE49-F238E27FC236}">
+                <a16:creationId xmlns:a16="http://schemas.microsoft.com/office/drawing/2014/main" id="{B2627E44-DADC-41F8-84F2-546245FDFA27}"/>
+              </a:ext>
+            </a:extLst>
+          </p:cNvPr>
+          <p:cNvSpPr>
+            <a:spLocks noGrp="1"/>
+          </p:cNvSpPr>
+          <p:nvPr>
+            <p:ph idx="1"/>
+          </p:nvPr>
+        </p:nvSpPr>
+        <p:spPr/>
+        <p:txBody>
+          <a:bodyPr>
+            <a:normAutofit lnSpcReduction="10000"/>
+          </a:bodyPr>
+          <a:lstStyle/>
+          <a:p>
+            <a:r>
+              <a:rPr lang="en-US" dirty="0"/>
+              <a:t>If you haven’t already, pull the latest GitHub repo for this workshop</a:t>
+            </a:r>
+          </a:p>
+          <a:p>
+            <a:endParaRPr lang="en-US" dirty="0"/>
+          </a:p>
+          <a:p>
+            <a:r>
+              <a:rPr lang="en-US" dirty="0"/>
+              <a:t>Go to the “/exercises/3_Vue Router” folder and open the README.md.</a:t>
+            </a:r>
+          </a:p>
+          <a:p>
+            <a:endParaRPr lang="en-US" dirty="0"/>
+          </a:p>
+          <a:p>
+            <a:pPr marL="0" indent="0">
+              <a:buNone/>
+            </a:pPr>
+            <a:endParaRPr lang="en-US" dirty="0"/>
+          </a:p>
+          <a:p>
+            <a:pPr marL="0" indent="0">
+              <a:buNone/>
+            </a:pPr>
+            <a:endParaRPr lang="en-US" dirty="0"/>
+          </a:p>
+          <a:p>
+            <a:pPr marL="0" indent="0">
+              <a:buNone/>
+            </a:pPr>
+            <a:endParaRPr lang="en-US" dirty="0"/>
+          </a:p>
+          <a:p>
+            <a:pPr marL="0" indent="0">
+              <a:buNone/>
+            </a:pPr>
+            <a:r>
+              <a:rPr lang="en-US" dirty="0"/>
+              <a:t>Length</a:t>
+            </a:r>
+            <a:r>
+              <a:rPr lang="en-US"/>
+              <a:t>: 20 </a:t>
+            </a:r>
+            <a:r>
+              <a:rPr lang="en-US" dirty="0"/>
+              <a:t>minutes</a:t>
+            </a:r>
+          </a:p>
+        </p:txBody>
+      </p:sp>
+    </p:spTree>
+    <p:extLst>
+      <p:ext uri="{BB962C8B-B14F-4D97-AF65-F5344CB8AC3E}">
+        <p14:creationId xmlns:p14="http://schemas.microsoft.com/office/powerpoint/2010/main" val="3380115907"/>
+      </p:ext>
+    </p:extLst>
+  </p:cSld>
+  <p:clrMapOvr>
+    <a:masterClrMapping/>
+  </p:clrMapOvr>
+</p:sld>
+</file>
+
 <file path=ppt/slides/slide2.xml><?xml version="1.0" encoding="utf-8"?>
 <p:sld xmlns:a="http://schemas.openxmlformats.org/drawingml/2006/main" xmlns:r="http://schemas.openxmlformats.org/officeDocument/2006/relationships" xmlns:p="http://schemas.openxmlformats.org/presentationml/2006/main">
   <p:cSld>
@@ -4952,7 +5176,7 @@
           <p:cNvPr id="2" name="Title 1">
             <a:extLst>
               <a:ext uri="{FF2B5EF4-FFF2-40B4-BE49-F238E27FC236}">
-                <a16:creationId xmlns:a16="http://schemas.microsoft.com/office/drawing/2014/main" id="{FDD49ADD-3B18-4A9E-9EC4-D555D0D5A0DD}"/>
+                <a16:creationId xmlns:a16="http://schemas.microsoft.com/office/drawing/2014/main" id="{A43CC1C9-7478-44AD-9DD8-45D18E08BCEC}"/>
               </a:ext>
             </a:extLst>
           </p:cNvPr>
@@ -4970,43 +5194,40 @@
           <a:p>
             <a:r>
               <a:rPr lang="en-US" dirty="0"/>
-              <a:t>Demo</a:t>
-            </a:r>
-          </a:p>
-        </p:txBody>
-      </p:sp>
-      <p:sp>
-        <p:nvSpPr>
-          <p:cNvPr id="3" name="Text Placeholder 2">
-            <a:extLst>
-              <a:ext uri="{FF2B5EF4-FFF2-40B4-BE49-F238E27FC236}">
-                <a16:creationId xmlns:a16="http://schemas.microsoft.com/office/drawing/2014/main" id="{A6E69730-B437-4E5B-ABAD-52B5B65F6A38}"/>
-              </a:ext>
-            </a:extLst>
-          </p:cNvPr>
-          <p:cNvSpPr>
-            <a:spLocks noGrp="1"/>
-          </p:cNvSpPr>
-          <p:nvPr>
-            <p:ph type="body" idx="1"/>
-          </p:nvPr>
-        </p:nvSpPr>
-        <p:spPr/>
-        <p:txBody>
-          <a:bodyPr/>
-          <a:lstStyle/>
-          <a:p>
-            <a:r>
-              <a:rPr lang="en-US" dirty="0"/>
-              <a:t>Implementing a Vue Router</a:t>
-            </a:r>
+              <a:t>&lt;router-view&gt;</a:t>
+            </a:r>
+          </a:p>
+        </p:txBody>
+      </p:sp>
+      <p:sp>
+        <p:nvSpPr>
+          <p:cNvPr id="3" name="Content Placeholder 2">
+            <a:extLst>
+              <a:ext uri="{FF2B5EF4-FFF2-40B4-BE49-F238E27FC236}">
+                <a16:creationId xmlns:a16="http://schemas.microsoft.com/office/drawing/2014/main" id="{8F335DB8-5278-4CF7-BE09-DFA5F4845F79}"/>
+              </a:ext>
+            </a:extLst>
+          </p:cNvPr>
+          <p:cNvSpPr>
+            <a:spLocks noGrp="1"/>
+          </p:cNvSpPr>
+          <p:nvPr>
+            <p:ph idx="1"/>
+          </p:nvPr>
+        </p:nvSpPr>
+        <p:spPr/>
+        <p:txBody>
+          <a:bodyPr/>
+          <a:lstStyle/>
+          <a:p>
+            <a:endParaRPr lang="en-US"/>
           </a:p>
         </p:txBody>
       </p:sp>
     </p:spTree>
     <p:extLst>
       <p:ext uri="{BB962C8B-B14F-4D97-AF65-F5344CB8AC3E}">
-        <p14:creationId xmlns:p14="http://schemas.microsoft.com/office/powerpoint/2010/main" val="2536035319"/>
+        <p14:creationId xmlns:p14="http://schemas.microsoft.com/office/powerpoint/2010/main" val="2673696371"/>
       </p:ext>
     </p:extLst>
   </p:cSld>
@@ -5038,7 +5259,7 @@
           <p:cNvPr id="2" name="Title 1">
             <a:extLst>
               <a:ext uri="{FF2B5EF4-FFF2-40B4-BE49-F238E27FC236}">
-                <a16:creationId xmlns:a16="http://schemas.microsoft.com/office/drawing/2014/main" id="{54B8613F-4E76-4444-B02E-A911ACEAEBEC}"/>
+                <a16:creationId xmlns:a16="http://schemas.microsoft.com/office/drawing/2014/main" id="{53787343-8ED9-4133-9ECA-D3D0FD7B13F7}"/>
               </a:ext>
             </a:extLst>
           </p:cNvPr>
@@ -5056,44 +5277,40 @@
           <a:p>
             <a:r>
               <a:rPr lang="en-US" dirty="0"/>
-              <a:t>Eager Loading vs Lazy Loading</a:t>
-            </a:r>
-          </a:p>
-        </p:txBody>
-      </p:sp>
-      <p:pic>
-        <p:nvPicPr>
-          <p:cNvPr id="9" name="Content Placeholder 8">
-            <a:extLst>
-              <a:ext uri="{FF2B5EF4-FFF2-40B4-BE49-F238E27FC236}">
-                <a16:creationId xmlns:a16="http://schemas.microsoft.com/office/drawing/2014/main" id="{8C7DCE86-8B5F-4900-B74F-45A16AF3D8A0}"/>
-              </a:ext>
-            </a:extLst>
-          </p:cNvPr>
-          <p:cNvPicPr>
-            <a:picLocks noGrp="1" noChangeAspect="1"/>
-          </p:cNvPicPr>
+              <a:t>&lt;router-link&gt;</a:t>
+            </a:r>
+          </a:p>
+        </p:txBody>
+      </p:sp>
+      <p:sp>
+        <p:nvSpPr>
+          <p:cNvPr id="3" name="Content Placeholder 2">
+            <a:extLst>
+              <a:ext uri="{FF2B5EF4-FFF2-40B4-BE49-F238E27FC236}">
+                <a16:creationId xmlns:a16="http://schemas.microsoft.com/office/drawing/2014/main" id="{D69DE844-118E-463A-96E3-63E4FD34410F}"/>
+              </a:ext>
+            </a:extLst>
+          </p:cNvPr>
+          <p:cNvSpPr>
+            <a:spLocks noGrp="1"/>
+          </p:cNvSpPr>
           <p:nvPr>
             <p:ph idx="1"/>
           </p:nvPr>
-        </p:nvPicPr>
-        <p:blipFill>
-          <a:blip r:embed="rId2"/>
-          <a:stretch>
-            <a:fillRect/>
-          </a:stretch>
-        </p:blipFill>
-        <p:spPr>
-          <a:xfrm>
-            <a:off x="838200" y="1690688"/>
-            <a:ext cx="10515600" cy="3452410"/>
-          </a:xfrm>
-        </p:spPr>
-      </p:pic>
+        </p:nvSpPr>
+        <p:spPr/>
+        <p:txBody>
+          <a:bodyPr/>
+          <a:lstStyle/>
+          <a:p>
+            <a:endParaRPr lang="en-US"/>
+          </a:p>
+        </p:txBody>
+      </p:sp>
     </p:spTree>
     <p:extLst>
       <p:ext uri="{BB962C8B-B14F-4D97-AF65-F5344CB8AC3E}">
-        <p14:creationId xmlns:p14="http://schemas.microsoft.com/office/powerpoint/2010/main" val="1170764363"/>
+        <p14:creationId xmlns:p14="http://schemas.microsoft.com/office/powerpoint/2010/main" val="2923472000"/>
       </p:ext>
     </p:extLst>
   </p:cSld>
@@ -5179,7 +5396,7 @@
     </p:spTree>
     <p:extLst>
       <p:ext uri="{BB962C8B-B14F-4D97-AF65-F5344CB8AC3E}">
-        <p14:creationId xmlns:p14="http://schemas.microsoft.com/office/powerpoint/2010/main" val="2337728550"/>
+        <p14:creationId xmlns:p14="http://schemas.microsoft.com/office/powerpoint/2010/main" val="2536035319"/>
       </p:ext>
     </p:extLst>
   </p:cSld>

--- a/Slides/4_Vue Router.pptx
+++ b/Slides/4_Vue Router.pptx
@@ -207,7 +207,7 @@
           <a:p>
             <a:fld id="{FE0698A4-8696-4B25-BC16-7D62971AF3FD}" type="datetimeFigureOut">
               <a:rPr lang="en-US" smtClean="0"/>
-              <a:t>8/10/2021</a:t>
+              <a:t>8/16/2021</a:t>
             </a:fld>
             <a:endParaRPr lang="en-US"/>
           </a:p>
@@ -789,7 +789,7 @@
           <a:p>
             <a:fld id="{52B491D6-D58D-44B5-AD9D-0243D7ABB41E}" type="datetimeFigureOut">
               <a:rPr lang="en-US" smtClean="0"/>
-              <a:t>8/10/2021</a:t>
+              <a:t>8/16/2021</a:t>
             </a:fld>
             <a:endParaRPr lang="en-US"/>
           </a:p>
@@ -987,7 +987,7 @@
           <a:p>
             <a:fld id="{52B491D6-D58D-44B5-AD9D-0243D7ABB41E}" type="datetimeFigureOut">
               <a:rPr lang="en-US" smtClean="0"/>
-              <a:t>8/10/2021</a:t>
+              <a:t>8/16/2021</a:t>
             </a:fld>
             <a:endParaRPr lang="en-US"/>
           </a:p>
@@ -1195,7 +1195,7 @@
           <a:p>
             <a:fld id="{52B491D6-D58D-44B5-AD9D-0243D7ABB41E}" type="datetimeFigureOut">
               <a:rPr lang="en-US" smtClean="0"/>
-              <a:t>8/10/2021</a:t>
+              <a:t>8/16/2021</a:t>
             </a:fld>
             <a:endParaRPr lang="en-US"/>
           </a:p>
@@ -1518,7 +1518,7 @@
           <a:p>
             <a:fld id="{52B491D6-D58D-44B5-AD9D-0243D7ABB41E}" type="datetimeFigureOut">
               <a:rPr lang="en-US" smtClean="0"/>
-              <a:t>8/10/2021</a:t>
+              <a:t>8/16/2021</a:t>
             </a:fld>
             <a:endParaRPr lang="en-US"/>
           </a:p>
@@ -1793,7 +1793,7 @@
           <a:p>
             <a:fld id="{52B491D6-D58D-44B5-AD9D-0243D7ABB41E}" type="datetimeFigureOut">
               <a:rPr lang="en-US" smtClean="0"/>
-              <a:t>8/10/2021</a:t>
+              <a:t>8/16/2021</a:t>
             </a:fld>
             <a:endParaRPr lang="en-US"/>
           </a:p>
@@ -2058,7 +2058,7 @@
           <a:p>
             <a:fld id="{52B491D6-D58D-44B5-AD9D-0243D7ABB41E}" type="datetimeFigureOut">
               <a:rPr lang="en-US" smtClean="0"/>
-              <a:t>8/10/2021</a:t>
+              <a:t>8/16/2021</a:t>
             </a:fld>
             <a:endParaRPr lang="en-US"/>
           </a:p>
@@ -2470,7 +2470,7 @@
           <a:p>
             <a:fld id="{52B491D6-D58D-44B5-AD9D-0243D7ABB41E}" type="datetimeFigureOut">
               <a:rPr lang="en-US" smtClean="0"/>
-              <a:t>8/10/2021</a:t>
+              <a:t>8/16/2021</a:t>
             </a:fld>
             <a:endParaRPr lang="en-US"/>
           </a:p>
@@ -2611,7 +2611,7 @@
           <a:p>
             <a:fld id="{52B491D6-D58D-44B5-AD9D-0243D7ABB41E}" type="datetimeFigureOut">
               <a:rPr lang="en-US" smtClean="0"/>
-              <a:t>8/10/2021</a:t>
+              <a:t>8/16/2021</a:t>
             </a:fld>
             <a:endParaRPr lang="en-US"/>
           </a:p>
@@ -2724,7 +2724,7 @@
           <a:p>
             <a:fld id="{52B491D6-D58D-44B5-AD9D-0243D7ABB41E}" type="datetimeFigureOut">
               <a:rPr lang="en-US" smtClean="0"/>
-              <a:t>8/10/2021</a:t>
+              <a:t>8/16/2021</a:t>
             </a:fld>
             <a:endParaRPr lang="en-US"/>
           </a:p>
@@ -3035,7 +3035,7 @@
           <a:p>
             <a:fld id="{52B491D6-D58D-44B5-AD9D-0243D7ABB41E}" type="datetimeFigureOut">
               <a:rPr lang="en-US" smtClean="0"/>
-              <a:t>8/10/2021</a:t>
+              <a:t>8/16/2021</a:t>
             </a:fld>
             <a:endParaRPr lang="en-US"/>
           </a:p>
@@ -3323,7 +3323,7 @@
           <a:p>
             <a:fld id="{52B491D6-D58D-44B5-AD9D-0243D7ABB41E}" type="datetimeFigureOut">
               <a:rPr lang="en-US" smtClean="0"/>
-              <a:t>8/10/2021</a:t>
+              <a:t>8/16/2021</a:t>
             </a:fld>
             <a:endParaRPr lang="en-US"/>
           </a:p>
@@ -3564,7 +3564,7 @@
           <a:p>
             <a:fld id="{52B491D6-D58D-44B5-AD9D-0243D7ABB41E}" type="datetimeFigureOut">
               <a:rPr lang="en-US" smtClean="0"/>
-              <a:t>8/10/2021</a:t>
+              <a:t>8/16/2021</a:t>
             </a:fld>
             <a:endParaRPr lang="en-US"/>
           </a:p>
@@ -5199,31 +5199,35 @@
           </a:p>
         </p:txBody>
       </p:sp>
-      <p:sp>
-        <p:nvSpPr>
-          <p:cNvPr id="3" name="Content Placeholder 2">
-            <a:extLst>
-              <a:ext uri="{FF2B5EF4-FFF2-40B4-BE49-F238E27FC236}">
-                <a16:creationId xmlns:a16="http://schemas.microsoft.com/office/drawing/2014/main" id="{8F335DB8-5278-4CF7-BE09-DFA5F4845F79}"/>
-              </a:ext>
-            </a:extLst>
-          </p:cNvPr>
-          <p:cNvSpPr>
-            <a:spLocks noGrp="1"/>
-          </p:cNvSpPr>
+      <p:pic>
+        <p:nvPicPr>
+          <p:cNvPr id="5" name="Content Placeholder 4">
+            <a:extLst>
+              <a:ext uri="{FF2B5EF4-FFF2-40B4-BE49-F238E27FC236}">
+                <a16:creationId xmlns:a16="http://schemas.microsoft.com/office/drawing/2014/main" id="{096C16E1-447D-4435-9601-597153D86ACB}"/>
+              </a:ext>
+            </a:extLst>
+          </p:cNvPr>
+          <p:cNvPicPr>
+            <a:picLocks noGrp="1" noChangeAspect="1"/>
+          </p:cNvPicPr>
           <p:nvPr>
             <p:ph idx="1"/>
           </p:nvPr>
-        </p:nvSpPr>
-        <p:spPr/>
-        <p:txBody>
-          <a:bodyPr/>
-          <a:lstStyle/>
-          <a:p>
-            <a:endParaRPr lang="en-US"/>
-          </a:p>
-        </p:txBody>
-      </p:sp>
+        </p:nvPicPr>
+        <p:blipFill>
+          <a:blip r:embed="rId2"/>
+          <a:stretch>
+            <a:fillRect/>
+          </a:stretch>
+        </p:blipFill>
+        <p:spPr>
+          <a:xfrm>
+            <a:off x="904875" y="2267744"/>
+            <a:ext cx="10382250" cy="3467100"/>
+          </a:xfrm>
+        </p:spPr>
+      </p:pic>
     </p:spTree>
     <p:extLst>
       <p:ext uri="{BB962C8B-B14F-4D97-AF65-F5344CB8AC3E}">
@@ -5282,31 +5286,35 @@
           </a:p>
         </p:txBody>
       </p:sp>
-      <p:sp>
-        <p:nvSpPr>
-          <p:cNvPr id="3" name="Content Placeholder 2">
-            <a:extLst>
-              <a:ext uri="{FF2B5EF4-FFF2-40B4-BE49-F238E27FC236}">
-                <a16:creationId xmlns:a16="http://schemas.microsoft.com/office/drawing/2014/main" id="{D69DE844-118E-463A-96E3-63E4FD34410F}"/>
-              </a:ext>
-            </a:extLst>
-          </p:cNvPr>
-          <p:cNvSpPr>
-            <a:spLocks noGrp="1"/>
-          </p:cNvSpPr>
+      <p:pic>
+        <p:nvPicPr>
+          <p:cNvPr id="5" name="Content Placeholder 4">
+            <a:extLst>
+              <a:ext uri="{FF2B5EF4-FFF2-40B4-BE49-F238E27FC236}">
+                <a16:creationId xmlns:a16="http://schemas.microsoft.com/office/drawing/2014/main" id="{6AD6A721-887B-4BB7-8380-B6A89B2BAE79}"/>
+              </a:ext>
+            </a:extLst>
+          </p:cNvPr>
+          <p:cNvPicPr>
+            <a:picLocks noGrp="1" noChangeAspect="1"/>
+          </p:cNvPicPr>
           <p:nvPr>
             <p:ph idx="1"/>
           </p:nvPr>
-        </p:nvSpPr>
-        <p:spPr/>
-        <p:txBody>
-          <a:bodyPr/>
-          <a:lstStyle/>
-          <a:p>
-            <a:endParaRPr lang="en-US"/>
-          </a:p>
-        </p:txBody>
-      </p:sp>
+        </p:nvPicPr>
+        <p:blipFill>
+          <a:blip r:embed="rId2"/>
+          <a:stretch>
+            <a:fillRect/>
+          </a:stretch>
+        </p:blipFill>
+        <p:spPr>
+          <a:xfrm>
+            <a:off x="1405597" y="1825625"/>
+            <a:ext cx="9380806" cy="4351338"/>
+          </a:xfrm>
+        </p:spPr>
+      </p:pic>
     </p:spTree>
     <p:extLst>
       <p:ext uri="{BB962C8B-B14F-4D97-AF65-F5344CB8AC3E}">

--- a/Slides/4_Vue Router.pptx
+++ b/Slides/4_Vue Router.pptx
@@ -207,7 +207,7 @@
           <a:p>
             <a:fld id="{FE0698A4-8696-4B25-BC16-7D62971AF3FD}" type="datetimeFigureOut">
               <a:rPr lang="en-US" smtClean="0"/>
-              <a:t>8/16/2021</a:t>
+              <a:t>8/18/2021</a:t>
             </a:fld>
             <a:endParaRPr lang="en-US"/>
           </a:p>
@@ -789,7 +789,7 @@
           <a:p>
             <a:fld id="{52B491D6-D58D-44B5-AD9D-0243D7ABB41E}" type="datetimeFigureOut">
               <a:rPr lang="en-US" smtClean="0"/>
-              <a:t>8/16/2021</a:t>
+              <a:t>8/18/2021</a:t>
             </a:fld>
             <a:endParaRPr lang="en-US"/>
           </a:p>
@@ -987,7 +987,7 @@
           <a:p>
             <a:fld id="{52B491D6-D58D-44B5-AD9D-0243D7ABB41E}" type="datetimeFigureOut">
               <a:rPr lang="en-US" smtClean="0"/>
-              <a:t>8/16/2021</a:t>
+              <a:t>8/18/2021</a:t>
             </a:fld>
             <a:endParaRPr lang="en-US"/>
           </a:p>
@@ -1195,7 +1195,7 @@
           <a:p>
             <a:fld id="{52B491D6-D58D-44B5-AD9D-0243D7ABB41E}" type="datetimeFigureOut">
               <a:rPr lang="en-US" smtClean="0"/>
-              <a:t>8/16/2021</a:t>
+              <a:t>8/18/2021</a:t>
             </a:fld>
             <a:endParaRPr lang="en-US"/>
           </a:p>
@@ -1518,7 +1518,7 @@
           <a:p>
             <a:fld id="{52B491D6-D58D-44B5-AD9D-0243D7ABB41E}" type="datetimeFigureOut">
               <a:rPr lang="en-US" smtClean="0"/>
-              <a:t>8/16/2021</a:t>
+              <a:t>8/18/2021</a:t>
             </a:fld>
             <a:endParaRPr lang="en-US"/>
           </a:p>
@@ -1793,7 +1793,7 @@
           <a:p>
             <a:fld id="{52B491D6-D58D-44B5-AD9D-0243D7ABB41E}" type="datetimeFigureOut">
               <a:rPr lang="en-US" smtClean="0"/>
-              <a:t>8/16/2021</a:t>
+              <a:t>8/18/2021</a:t>
             </a:fld>
             <a:endParaRPr lang="en-US"/>
           </a:p>
@@ -2058,7 +2058,7 @@
           <a:p>
             <a:fld id="{52B491D6-D58D-44B5-AD9D-0243D7ABB41E}" type="datetimeFigureOut">
               <a:rPr lang="en-US" smtClean="0"/>
-              <a:t>8/16/2021</a:t>
+              <a:t>8/18/2021</a:t>
             </a:fld>
             <a:endParaRPr lang="en-US"/>
           </a:p>
@@ -2470,7 +2470,7 @@
           <a:p>
             <a:fld id="{52B491D6-D58D-44B5-AD9D-0243D7ABB41E}" type="datetimeFigureOut">
               <a:rPr lang="en-US" smtClean="0"/>
-              <a:t>8/16/2021</a:t>
+              <a:t>8/18/2021</a:t>
             </a:fld>
             <a:endParaRPr lang="en-US"/>
           </a:p>
@@ -2611,7 +2611,7 @@
           <a:p>
             <a:fld id="{52B491D6-D58D-44B5-AD9D-0243D7ABB41E}" type="datetimeFigureOut">
               <a:rPr lang="en-US" smtClean="0"/>
-              <a:t>8/16/2021</a:t>
+              <a:t>8/18/2021</a:t>
             </a:fld>
             <a:endParaRPr lang="en-US"/>
           </a:p>
@@ -2724,7 +2724,7 @@
           <a:p>
             <a:fld id="{52B491D6-D58D-44B5-AD9D-0243D7ABB41E}" type="datetimeFigureOut">
               <a:rPr lang="en-US" smtClean="0"/>
-              <a:t>8/16/2021</a:t>
+              <a:t>8/18/2021</a:t>
             </a:fld>
             <a:endParaRPr lang="en-US"/>
           </a:p>
@@ -3035,7 +3035,7 @@
           <a:p>
             <a:fld id="{52B491D6-D58D-44B5-AD9D-0243D7ABB41E}" type="datetimeFigureOut">
               <a:rPr lang="en-US" smtClean="0"/>
-              <a:t>8/16/2021</a:t>
+              <a:t>8/18/2021</a:t>
             </a:fld>
             <a:endParaRPr lang="en-US"/>
           </a:p>
@@ -3323,7 +3323,7 @@
           <a:p>
             <a:fld id="{52B491D6-D58D-44B5-AD9D-0243D7ABB41E}" type="datetimeFigureOut">
               <a:rPr lang="en-US" smtClean="0"/>
-              <a:t>8/16/2021</a:t>
+              <a:t>8/18/2021</a:t>
             </a:fld>
             <a:endParaRPr lang="en-US"/>
           </a:p>
@@ -3564,7 +3564,7 @@
           <a:p>
             <a:fld id="{52B491D6-D58D-44B5-AD9D-0243D7ABB41E}" type="datetimeFigureOut">
               <a:rPr lang="en-US" smtClean="0"/>
-              <a:t>8/16/2021</a:t>
+              <a:t>8/18/2021</a:t>
             </a:fld>
             <a:endParaRPr lang="en-US"/>
           </a:p>
@@ -4244,15 +4244,7 @@
             </a:pPr>
             <a:r>
               <a:rPr lang="en-US" dirty="0"/>
-              <a:t>Length</a:t>
-            </a:r>
-            <a:r>
-              <a:rPr lang="en-US"/>
-              <a:t>: 20 </a:t>
-            </a:r>
-            <a:r>
-              <a:rPr lang="en-US" dirty="0"/>
-              <a:t>minutes</a:t>
+              <a:t>Length: 25 minutes</a:t>
             </a:r>
           </a:p>
         </p:txBody>

--- a/Slides/4_Vue Router.pptx
+++ b/Slides/4_Vue Router.pptx
@@ -5,7 +5,7 @@
     <p:sldMasterId id="2147483648" r:id="rId1"/>
   </p:sldMasterIdLst>
   <p:notesMasterIdLst>
-    <p:notesMasterId r:id="rId13"/>
+    <p:notesMasterId r:id="rId15"/>
   </p:notesMasterIdLst>
   <p:sldIdLst>
     <p:sldId id="256" r:id="rId2"/>
@@ -18,7 +18,9 @@
     <p:sldId id="324" r:id="rId9"/>
     <p:sldId id="298" r:id="rId10"/>
     <p:sldId id="299" r:id="rId11"/>
-    <p:sldId id="322" r:id="rId12"/>
+    <p:sldId id="325" r:id="rId12"/>
+    <p:sldId id="326" r:id="rId13"/>
+    <p:sldId id="322" r:id="rId14"/>
   </p:sldIdLst>
   <p:sldSz cx="12192000" cy="6858000"/>
   <p:notesSz cx="6858000" cy="9144000"/>
@@ -207,7 +209,7 @@
           <a:p>
             <a:fld id="{FE0698A4-8696-4B25-BC16-7D62971AF3FD}" type="datetimeFigureOut">
               <a:rPr lang="en-US" smtClean="0"/>
-              <a:t>8/18/2021</a:t>
+              <a:t>9/14/2021</a:t>
             </a:fld>
             <a:endParaRPr lang="en-US"/>
           </a:p>
@@ -789,7 +791,7 @@
           <a:p>
             <a:fld id="{52B491D6-D58D-44B5-AD9D-0243D7ABB41E}" type="datetimeFigureOut">
               <a:rPr lang="en-US" smtClean="0"/>
-              <a:t>8/18/2021</a:t>
+              <a:t>9/14/2021</a:t>
             </a:fld>
             <a:endParaRPr lang="en-US"/>
           </a:p>
@@ -987,7 +989,7 @@
           <a:p>
             <a:fld id="{52B491D6-D58D-44B5-AD9D-0243D7ABB41E}" type="datetimeFigureOut">
               <a:rPr lang="en-US" smtClean="0"/>
-              <a:t>8/18/2021</a:t>
+              <a:t>9/14/2021</a:t>
             </a:fld>
             <a:endParaRPr lang="en-US"/>
           </a:p>
@@ -1195,7 +1197,7 @@
           <a:p>
             <a:fld id="{52B491D6-D58D-44B5-AD9D-0243D7ABB41E}" type="datetimeFigureOut">
               <a:rPr lang="en-US" smtClean="0"/>
-              <a:t>8/18/2021</a:t>
+              <a:t>9/14/2021</a:t>
             </a:fld>
             <a:endParaRPr lang="en-US"/>
           </a:p>
@@ -1518,7 +1520,7 @@
           <a:p>
             <a:fld id="{52B491D6-D58D-44B5-AD9D-0243D7ABB41E}" type="datetimeFigureOut">
               <a:rPr lang="en-US" smtClean="0"/>
-              <a:t>8/18/2021</a:t>
+              <a:t>9/14/2021</a:t>
             </a:fld>
             <a:endParaRPr lang="en-US"/>
           </a:p>
@@ -1793,7 +1795,7 @@
           <a:p>
             <a:fld id="{52B491D6-D58D-44B5-AD9D-0243D7ABB41E}" type="datetimeFigureOut">
               <a:rPr lang="en-US" smtClean="0"/>
-              <a:t>8/18/2021</a:t>
+              <a:t>9/14/2021</a:t>
             </a:fld>
             <a:endParaRPr lang="en-US"/>
           </a:p>
@@ -2058,7 +2060,7 @@
           <a:p>
             <a:fld id="{52B491D6-D58D-44B5-AD9D-0243D7ABB41E}" type="datetimeFigureOut">
               <a:rPr lang="en-US" smtClean="0"/>
-              <a:t>8/18/2021</a:t>
+              <a:t>9/14/2021</a:t>
             </a:fld>
             <a:endParaRPr lang="en-US"/>
           </a:p>
@@ -2470,7 +2472,7 @@
           <a:p>
             <a:fld id="{52B491D6-D58D-44B5-AD9D-0243D7ABB41E}" type="datetimeFigureOut">
               <a:rPr lang="en-US" smtClean="0"/>
-              <a:t>8/18/2021</a:t>
+              <a:t>9/14/2021</a:t>
             </a:fld>
             <a:endParaRPr lang="en-US"/>
           </a:p>
@@ -2611,7 +2613,7 @@
           <a:p>
             <a:fld id="{52B491D6-D58D-44B5-AD9D-0243D7ABB41E}" type="datetimeFigureOut">
               <a:rPr lang="en-US" smtClean="0"/>
-              <a:t>8/18/2021</a:t>
+              <a:t>9/14/2021</a:t>
             </a:fld>
             <a:endParaRPr lang="en-US"/>
           </a:p>
@@ -2724,7 +2726,7 @@
           <a:p>
             <a:fld id="{52B491D6-D58D-44B5-AD9D-0243D7ABB41E}" type="datetimeFigureOut">
               <a:rPr lang="en-US" smtClean="0"/>
-              <a:t>8/18/2021</a:t>
+              <a:t>9/14/2021</a:t>
             </a:fld>
             <a:endParaRPr lang="en-US"/>
           </a:p>
@@ -3035,7 +3037,7 @@
           <a:p>
             <a:fld id="{52B491D6-D58D-44B5-AD9D-0243D7ABB41E}" type="datetimeFigureOut">
               <a:rPr lang="en-US" smtClean="0"/>
-              <a:t>8/18/2021</a:t>
+              <a:t>9/14/2021</a:t>
             </a:fld>
             <a:endParaRPr lang="en-US"/>
           </a:p>
@@ -3323,7 +3325,7 @@
           <a:p>
             <a:fld id="{52B491D6-D58D-44B5-AD9D-0243D7ABB41E}" type="datetimeFigureOut">
               <a:rPr lang="en-US" smtClean="0"/>
-              <a:t>8/18/2021</a:t>
+              <a:t>9/14/2021</a:t>
             </a:fld>
             <a:endParaRPr lang="en-US"/>
           </a:p>
@@ -3564,7 +3566,7 @@
           <a:p>
             <a:fld id="{52B491D6-D58D-44B5-AD9D-0243D7ABB41E}" type="datetimeFigureOut">
               <a:rPr lang="en-US" smtClean="0"/>
-              <a:t>8/18/2021</a:t>
+              <a:t>9/14/2021</a:t>
             </a:fld>
             <a:endParaRPr lang="en-US"/>
           </a:p>
@@ -4136,6 +4138,190 @@
 </file>
 
 <file path=ppt/slides/slide11.xml><?xml version="1.0" encoding="utf-8"?>
+<p:sld xmlns:a="http://schemas.openxmlformats.org/drawingml/2006/main" xmlns:r="http://schemas.openxmlformats.org/officeDocument/2006/relationships" xmlns:p="http://schemas.openxmlformats.org/presentationml/2006/main">
+  <p:cSld>
+    <p:spTree>
+      <p:nvGrpSpPr>
+        <p:cNvPr id="1" name=""/>
+        <p:cNvGrpSpPr/>
+        <p:nvPr/>
+      </p:nvGrpSpPr>
+      <p:grpSpPr>
+        <a:xfrm>
+          <a:off x="0" y="0"/>
+          <a:ext cx="0" cy="0"/>
+          <a:chOff x="0" y="0"/>
+          <a:chExt cx="0" cy="0"/>
+        </a:xfrm>
+      </p:grpSpPr>
+      <p:sp>
+        <p:nvSpPr>
+          <p:cNvPr id="2" name="Title 1">
+            <a:extLst>
+              <a:ext uri="{FF2B5EF4-FFF2-40B4-BE49-F238E27FC236}">
+                <a16:creationId xmlns:a16="http://schemas.microsoft.com/office/drawing/2014/main" id="{FB737693-C10E-4B17-8378-CCF802FB8DB2}"/>
+              </a:ext>
+            </a:extLst>
+          </p:cNvPr>
+          <p:cNvSpPr>
+            <a:spLocks noGrp="1"/>
+          </p:cNvSpPr>
+          <p:nvPr>
+            <p:ph type="title"/>
+          </p:nvPr>
+        </p:nvSpPr>
+        <p:spPr/>
+        <p:txBody>
+          <a:bodyPr/>
+          <a:lstStyle/>
+          <a:p>
+            <a:r>
+              <a:rPr lang="en-US" dirty="0"/>
+              <a:t>Change Route </a:t>
+            </a:r>
+            <a:r>
+              <a:rPr lang="en-US" dirty="0" err="1"/>
+              <a:t>Programmically</a:t>
+            </a:r>
+            <a:endParaRPr lang="en-US" dirty="0"/>
+          </a:p>
+        </p:txBody>
+      </p:sp>
+      <p:pic>
+        <p:nvPicPr>
+          <p:cNvPr id="9" name="Content Placeholder 8">
+            <a:extLst>
+              <a:ext uri="{FF2B5EF4-FFF2-40B4-BE49-F238E27FC236}">
+                <a16:creationId xmlns:a16="http://schemas.microsoft.com/office/drawing/2014/main" id="{AC87C5DF-36E8-4D1E-A7E4-8B2F4D8CBCCB}"/>
+              </a:ext>
+            </a:extLst>
+          </p:cNvPr>
+          <p:cNvPicPr>
+            <a:picLocks noGrp="1" noChangeAspect="1"/>
+          </p:cNvPicPr>
+          <p:nvPr>
+            <p:ph idx="1"/>
+          </p:nvPr>
+        </p:nvPicPr>
+        <p:blipFill>
+          <a:blip r:embed="rId2"/>
+          <a:stretch>
+            <a:fillRect/>
+          </a:stretch>
+        </p:blipFill>
+        <p:spPr>
+          <a:xfrm>
+            <a:off x="838200" y="2132558"/>
+            <a:ext cx="10515600" cy="3737472"/>
+          </a:xfrm>
+        </p:spPr>
+      </p:pic>
+    </p:spTree>
+    <p:extLst>
+      <p:ext uri="{BB962C8B-B14F-4D97-AF65-F5344CB8AC3E}">
+        <p14:creationId xmlns:p14="http://schemas.microsoft.com/office/powerpoint/2010/main" val="3977245525"/>
+      </p:ext>
+    </p:extLst>
+  </p:cSld>
+  <p:clrMapOvr>
+    <a:masterClrMapping/>
+  </p:clrMapOvr>
+</p:sld>
+</file>
+
+<file path=ppt/slides/slide12.xml><?xml version="1.0" encoding="utf-8"?>
+<p:sld xmlns:a="http://schemas.openxmlformats.org/drawingml/2006/main" xmlns:r="http://schemas.openxmlformats.org/officeDocument/2006/relationships" xmlns:p="http://schemas.openxmlformats.org/presentationml/2006/main">
+  <p:cSld>
+    <p:spTree>
+      <p:nvGrpSpPr>
+        <p:cNvPr id="1" name=""/>
+        <p:cNvGrpSpPr/>
+        <p:nvPr/>
+      </p:nvGrpSpPr>
+      <p:grpSpPr>
+        <a:xfrm>
+          <a:off x="0" y="0"/>
+          <a:ext cx="0" cy="0"/>
+          <a:chOff x="0" y="0"/>
+          <a:chExt cx="0" cy="0"/>
+        </a:xfrm>
+      </p:grpSpPr>
+      <p:sp>
+        <p:nvSpPr>
+          <p:cNvPr id="2" name="Title 1">
+            <a:extLst>
+              <a:ext uri="{FF2B5EF4-FFF2-40B4-BE49-F238E27FC236}">
+                <a16:creationId xmlns:a16="http://schemas.microsoft.com/office/drawing/2014/main" id="{FB737693-C10E-4B17-8378-CCF802FB8DB2}"/>
+              </a:ext>
+            </a:extLst>
+          </p:cNvPr>
+          <p:cNvSpPr>
+            <a:spLocks noGrp="1"/>
+          </p:cNvSpPr>
+          <p:nvPr>
+            <p:ph type="title"/>
+          </p:nvPr>
+        </p:nvSpPr>
+        <p:spPr/>
+        <p:txBody>
+          <a:bodyPr/>
+          <a:lstStyle/>
+          <a:p>
+            <a:r>
+              <a:rPr lang="en-US" dirty="0"/>
+              <a:t>Change Route </a:t>
+            </a:r>
+            <a:r>
+              <a:rPr lang="en-US" dirty="0" err="1"/>
+              <a:t>Programmically</a:t>
+            </a:r>
+            <a:endParaRPr lang="en-US" dirty="0"/>
+          </a:p>
+        </p:txBody>
+      </p:sp>
+      <p:pic>
+        <p:nvPicPr>
+          <p:cNvPr id="7" name="Content Placeholder 6">
+            <a:extLst>
+              <a:ext uri="{FF2B5EF4-FFF2-40B4-BE49-F238E27FC236}">
+                <a16:creationId xmlns:a16="http://schemas.microsoft.com/office/drawing/2014/main" id="{EE26F9B2-E8DA-4A73-8D75-90660822485B}"/>
+              </a:ext>
+            </a:extLst>
+          </p:cNvPr>
+          <p:cNvPicPr>
+            <a:picLocks noGrp="1" noChangeAspect="1"/>
+          </p:cNvPicPr>
+          <p:nvPr>
+            <p:ph idx="1"/>
+          </p:nvPr>
+        </p:nvPicPr>
+        <p:blipFill>
+          <a:blip r:embed="rId2"/>
+          <a:stretch>
+            <a:fillRect/>
+          </a:stretch>
+        </p:blipFill>
+        <p:spPr>
+          <a:xfrm>
+            <a:off x="838200" y="2132558"/>
+            <a:ext cx="10515600" cy="3737472"/>
+          </a:xfrm>
+        </p:spPr>
+      </p:pic>
+    </p:spTree>
+    <p:extLst>
+      <p:ext uri="{BB962C8B-B14F-4D97-AF65-F5344CB8AC3E}">
+        <p14:creationId xmlns:p14="http://schemas.microsoft.com/office/powerpoint/2010/main" val="1934968480"/>
+      </p:ext>
+    </p:extLst>
+  </p:cSld>
+  <p:clrMapOvr>
+    <a:masterClrMapping/>
+  </p:clrMapOvr>
+</p:sld>
+</file>
+
+<file path=ppt/slides/slide13.xml><?xml version="1.0" encoding="utf-8"?>
 <p:sld xmlns:a="http://schemas.openxmlformats.org/drawingml/2006/main" xmlns:r="http://schemas.openxmlformats.org/officeDocument/2006/relationships" xmlns:p="http://schemas.openxmlformats.org/presentationml/2006/main">
   <p:cSld>
     <p:spTree>
